--- a/Weekly-Reports/HarmonicLosses.pptx
+++ b/Weekly-Reports/HarmonicLosses.pptx
@@ -8,6 +8,8 @@
     <p:sldId id="256" r:id="rId2"/>
     <p:sldId id="257" r:id="rId3"/>
     <p:sldId id="258" r:id="rId4"/>
+    <p:sldId id="259" r:id="rId5"/>
+    <p:sldId id="260" r:id="rId6"/>
   </p:sldIdLst>
   <p:sldSz cx="12192000" cy="6858000"/>
   <p:notesSz cx="6858000" cy="9144000"/>
@@ -106,6 +108,11 @@
       </a:defRPr>
     </a:lvl9pPr>
   </p:defaultTextStyle>
+  <p:extLst>
+    <p:ext uri="{EFAFB233-063F-42B5-8137-9DF3F51BA10A}">
+      <p15:sldGuideLst xmlns:p15="http://schemas.microsoft.com/office/powerpoint/2012/main"/>
+    </p:ext>
+  </p:extLst>
 </p:presentation>
 </file>
 
@@ -240,7 +247,7 @@
           <a:p>
             <a:fld id="{3527E57A-EE86-48A3-9A6B-EE581B7360D2}" type="datetimeFigureOut">
               <a:rPr lang="sv-SE" smtClean="0"/>
-              <a:t>2024-07-31</a:t>
+              <a:t>2024-08-07</a:t>
             </a:fld>
             <a:endParaRPr lang="sv-SE"/>
           </a:p>
@@ -410,7 +417,7 @@
           <a:p>
             <a:fld id="{3527E57A-EE86-48A3-9A6B-EE581B7360D2}" type="datetimeFigureOut">
               <a:rPr lang="sv-SE" smtClean="0"/>
-              <a:t>2024-07-31</a:t>
+              <a:t>2024-08-07</a:t>
             </a:fld>
             <a:endParaRPr lang="sv-SE"/>
           </a:p>
@@ -590,7 +597,7 @@
           <a:p>
             <a:fld id="{3527E57A-EE86-48A3-9A6B-EE581B7360D2}" type="datetimeFigureOut">
               <a:rPr lang="sv-SE" smtClean="0"/>
-              <a:t>2024-07-31</a:t>
+              <a:t>2024-08-07</a:t>
             </a:fld>
             <a:endParaRPr lang="sv-SE"/>
           </a:p>
@@ -760,7 +767,7 @@
           <a:p>
             <a:fld id="{3527E57A-EE86-48A3-9A6B-EE581B7360D2}" type="datetimeFigureOut">
               <a:rPr lang="sv-SE" smtClean="0"/>
-              <a:t>2024-07-31</a:t>
+              <a:t>2024-08-07</a:t>
             </a:fld>
             <a:endParaRPr lang="sv-SE"/>
           </a:p>
@@ -1006,7 +1013,7 @@
           <a:p>
             <a:fld id="{3527E57A-EE86-48A3-9A6B-EE581B7360D2}" type="datetimeFigureOut">
               <a:rPr lang="sv-SE" smtClean="0"/>
-              <a:t>2024-07-31</a:t>
+              <a:t>2024-08-07</a:t>
             </a:fld>
             <a:endParaRPr lang="sv-SE"/>
           </a:p>
@@ -1238,7 +1245,7 @@
           <a:p>
             <a:fld id="{3527E57A-EE86-48A3-9A6B-EE581B7360D2}" type="datetimeFigureOut">
               <a:rPr lang="sv-SE" smtClean="0"/>
-              <a:t>2024-07-31</a:t>
+              <a:t>2024-08-07</a:t>
             </a:fld>
             <a:endParaRPr lang="sv-SE"/>
           </a:p>
@@ -1605,7 +1612,7 @@
           <a:p>
             <a:fld id="{3527E57A-EE86-48A3-9A6B-EE581B7360D2}" type="datetimeFigureOut">
               <a:rPr lang="sv-SE" smtClean="0"/>
-              <a:t>2024-07-31</a:t>
+              <a:t>2024-08-07</a:t>
             </a:fld>
             <a:endParaRPr lang="sv-SE"/>
           </a:p>
@@ -1723,7 +1730,7 @@
           <a:p>
             <a:fld id="{3527E57A-EE86-48A3-9A6B-EE581B7360D2}" type="datetimeFigureOut">
               <a:rPr lang="sv-SE" smtClean="0"/>
-              <a:t>2024-07-31</a:t>
+              <a:t>2024-08-07</a:t>
             </a:fld>
             <a:endParaRPr lang="sv-SE"/>
           </a:p>
@@ -1818,7 +1825,7 @@
           <a:p>
             <a:fld id="{3527E57A-EE86-48A3-9A6B-EE581B7360D2}" type="datetimeFigureOut">
               <a:rPr lang="sv-SE" smtClean="0"/>
-              <a:t>2024-07-31</a:t>
+              <a:t>2024-08-07</a:t>
             </a:fld>
             <a:endParaRPr lang="sv-SE"/>
           </a:p>
@@ -2095,7 +2102,7 @@
           <a:p>
             <a:fld id="{3527E57A-EE86-48A3-9A6B-EE581B7360D2}" type="datetimeFigureOut">
               <a:rPr lang="sv-SE" smtClean="0"/>
-              <a:t>2024-07-31</a:t>
+              <a:t>2024-08-07</a:t>
             </a:fld>
             <a:endParaRPr lang="sv-SE"/>
           </a:p>
@@ -2348,7 +2355,7 @@
           <a:p>
             <a:fld id="{3527E57A-EE86-48A3-9A6B-EE581B7360D2}" type="datetimeFigureOut">
               <a:rPr lang="sv-SE" smtClean="0"/>
-              <a:t>2024-07-31</a:t>
+              <a:t>2024-08-07</a:t>
             </a:fld>
             <a:endParaRPr lang="sv-SE"/>
           </a:p>
@@ -2561,7 +2568,7 @@
           <a:p>
             <a:fld id="{3527E57A-EE86-48A3-9A6B-EE581B7360D2}" type="datetimeFigureOut">
               <a:rPr lang="sv-SE" smtClean="0"/>
-              <a:t>2024-07-31</a:t>
+              <a:t>2024-08-07</a:t>
             </a:fld>
             <a:endParaRPr lang="sv-SE"/>
           </a:p>
@@ -3170,44 +3177,54 @@
           <a:chExt cx="0" cy="0"/>
         </a:xfrm>
       </p:grpSpPr>
-      <p:sp>
-        <p:nvSpPr>
-          <p:cNvPr id="2" name="Title 1"/>
-          <p:cNvSpPr>
-            <a:spLocks noGrp="1"/>
-          </p:cNvSpPr>
-          <p:nvPr>
-            <p:ph type="title"/>
-          </p:nvPr>
-        </p:nvSpPr>
-        <p:spPr/>
-        <p:txBody>
-          <a:bodyPr/>
-          <a:lstStyle/>
-          <a:p>
-            <a:endParaRPr lang="sv-SE"/>
-          </a:p>
-        </p:txBody>
-      </p:sp>
-      <p:sp>
-        <p:nvSpPr>
-          <p:cNvPr id="3" name="Content Placeholder 2"/>
-          <p:cNvSpPr>
-            <a:spLocks noGrp="1"/>
-          </p:cNvSpPr>
-          <p:nvPr>
-            <p:ph idx="1"/>
-          </p:nvPr>
-        </p:nvSpPr>
-        <p:spPr/>
-        <p:txBody>
-          <a:bodyPr/>
-          <a:lstStyle/>
-          <a:p>
-            <a:endParaRPr lang="sv-SE"/>
-          </a:p>
-        </p:txBody>
-      </p:sp>
+      <p:pic>
+        <p:nvPicPr>
+          <p:cNvPr id="4" name="Picture 3"/>
+          <p:cNvPicPr>
+            <a:picLocks noChangeAspect="1"/>
+          </p:cNvPicPr>
+          <p:nvPr/>
+        </p:nvPicPr>
+        <p:blipFill>
+          <a:blip r:embed="rId2"/>
+          <a:stretch>
+            <a:fillRect/>
+          </a:stretch>
+        </p:blipFill>
+        <p:spPr>
+          <a:xfrm>
+            <a:off x="199766" y="1961804"/>
+            <a:ext cx="5301122" cy="3750165"/>
+          </a:xfrm>
+          <a:prstGeom prst="rect">
+            <a:avLst/>
+          </a:prstGeom>
+        </p:spPr>
+      </p:pic>
+      <p:pic>
+        <p:nvPicPr>
+          <p:cNvPr id="5" name="Picture 4"/>
+          <p:cNvPicPr>
+            <a:picLocks noChangeAspect="1"/>
+          </p:cNvPicPr>
+          <p:nvPr/>
+        </p:nvPicPr>
+        <p:blipFill>
+          <a:blip r:embed="rId3"/>
+          <a:stretch>
+            <a:fillRect/>
+          </a:stretch>
+        </p:blipFill>
+        <p:spPr>
+          <a:xfrm>
+            <a:off x="5990965" y="1870121"/>
+            <a:ext cx="5430723" cy="3841848"/>
+          </a:xfrm>
+          <a:prstGeom prst="rect">
+            <a:avLst/>
+          </a:prstGeom>
+        </p:spPr>
+      </p:pic>
     </p:spTree>
     <p:extLst>
       <p:ext uri="{BB962C8B-B14F-4D97-AF65-F5344CB8AC3E}">
@@ -3218,6 +3235,1180 @@
   <p:clrMapOvr>
     <a:masterClrMapping/>
   </p:clrMapOvr>
+</p:sld>
+</file>
+
+<file path=ppt/slides/slide4.xml><?xml version="1.0" encoding="utf-8"?>
+<p:sld xmlns:a="http://schemas.openxmlformats.org/drawingml/2006/main" xmlns:r="http://schemas.openxmlformats.org/officeDocument/2006/relationships" xmlns:p="http://schemas.openxmlformats.org/presentationml/2006/main">
+  <p:cSld>
+    <p:spTree>
+      <p:nvGrpSpPr>
+        <p:cNvPr id="1" name=""/>
+        <p:cNvGrpSpPr/>
+        <p:nvPr/>
+      </p:nvGrpSpPr>
+      <p:grpSpPr>
+        <a:xfrm>
+          <a:off x="0" y="0"/>
+          <a:ext cx="0" cy="0"/>
+          <a:chOff x="0" y="0"/>
+          <a:chExt cx="0" cy="0"/>
+        </a:xfrm>
+      </p:grpSpPr>
+      <p:pic>
+        <p:nvPicPr>
+          <p:cNvPr id="2" name="Picture 1"/>
+          <p:cNvPicPr>
+            <a:picLocks noChangeAspect="1"/>
+          </p:cNvPicPr>
+          <p:nvPr/>
+        </p:nvPicPr>
+        <p:blipFill>
+          <a:blip r:embed="rId2"/>
+          <a:stretch>
+            <a:fillRect/>
+          </a:stretch>
+        </p:blipFill>
+        <p:spPr>
+          <a:xfrm>
+            <a:off x="124690" y="747106"/>
+            <a:ext cx="5334000" cy="4000500"/>
+          </a:xfrm>
+          <a:prstGeom prst="rect">
+            <a:avLst/>
+          </a:prstGeom>
+        </p:spPr>
+      </p:pic>
+      <p:pic>
+        <p:nvPicPr>
+          <p:cNvPr id="3" name="Picture 2"/>
+          <p:cNvPicPr>
+            <a:picLocks noChangeAspect="1"/>
+          </p:cNvPicPr>
+          <p:nvPr/>
+        </p:nvPicPr>
+        <p:blipFill>
+          <a:blip r:embed="rId3"/>
+          <a:stretch>
+            <a:fillRect/>
+          </a:stretch>
+        </p:blipFill>
+        <p:spPr>
+          <a:xfrm>
+            <a:off x="1982586" y="1115984"/>
+            <a:ext cx="2739044" cy="2054283"/>
+          </a:xfrm>
+          <a:prstGeom prst="rect">
+            <a:avLst/>
+          </a:prstGeom>
+        </p:spPr>
+      </p:pic>
+      <p:pic>
+        <p:nvPicPr>
+          <p:cNvPr id="8" name="Picture 7"/>
+          <p:cNvPicPr>
+            <a:picLocks noChangeAspect="1"/>
+          </p:cNvPicPr>
+          <p:nvPr/>
+        </p:nvPicPr>
+        <p:blipFill>
+          <a:blip r:embed="rId4"/>
+          <a:stretch>
+            <a:fillRect/>
+          </a:stretch>
+        </p:blipFill>
+        <p:spPr>
+          <a:xfrm>
+            <a:off x="6155575" y="747106"/>
+            <a:ext cx="5334000" cy="4000500"/>
+          </a:xfrm>
+          <a:prstGeom prst="rect">
+            <a:avLst/>
+          </a:prstGeom>
+        </p:spPr>
+      </p:pic>
+      <p:pic>
+        <p:nvPicPr>
+          <p:cNvPr id="9" name="Picture 8"/>
+          <p:cNvPicPr>
+            <a:picLocks noChangeAspect="1"/>
+          </p:cNvPicPr>
+          <p:nvPr/>
+        </p:nvPicPr>
+        <p:blipFill>
+          <a:blip r:embed="rId5"/>
+          <a:stretch>
+            <a:fillRect/>
+          </a:stretch>
+        </p:blipFill>
+        <p:spPr>
+          <a:xfrm>
+            <a:off x="7784869" y="1115984"/>
+            <a:ext cx="2921924" cy="2191443"/>
+          </a:xfrm>
+          <a:prstGeom prst="rect">
+            <a:avLst/>
+          </a:prstGeom>
+        </p:spPr>
+      </p:pic>
+    </p:spTree>
+    <p:extLst>
+      <p:ext uri="{BB962C8B-B14F-4D97-AF65-F5344CB8AC3E}">
+        <p14:creationId xmlns:p14="http://schemas.microsoft.com/office/powerpoint/2010/main" val="124620595"/>
+      </p:ext>
+    </p:extLst>
+  </p:cSld>
+  <p:clrMapOvr>
+    <a:masterClrMapping/>
+  </p:clrMapOvr>
+</p:sld>
+</file>
+
+<file path=ppt/slides/slide5.xml><?xml version="1.0" encoding="utf-8"?>
+<p:sld xmlns:a="http://schemas.openxmlformats.org/drawingml/2006/main" xmlns:r="http://schemas.openxmlformats.org/officeDocument/2006/relationships" xmlns:p="http://schemas.openxmlformats.org/presentationml/2006/main">
+  <p:cSld>
+    <p:spTree>
+      <p:nvGrpSpPr>
+        <p:cNvPr id="1" name=""/>
+        <p:cNvGrpSpPr/>
+        <p:nvPr/>
+      </p:nvGrpSpPr>
+      <p:grpSpPr>
+        <a:xfrm>
+          <a:off x="0" y="0"/>
+          <a:ext cx="0" cy="0"/>
+          <a:chOff x="0" y="0"/>
+          <a:chExt cx="0" cy="0"/>
+        </a:xfrm>
+      </p:grpSpPr>
+      <p:sp>
+        <p:nvSpPr>
+          <p:cNvPr id="2" name="Title 1"/>
+          <p:cNvSpPr>
+            <a:spLocks noGrp="1"/>
+          </p:cNvSpPr>
+          <p:nvPr>
+            <p:ph type="title"/>
+          </p:nvPr>
+        </p:nvSpPr>
+        <p:spPr>
+          <a:xfrm>
+            <a:off x="1201737" y="324231"/>
+            <a:ext cx="10990263" cy="568412"/>
+          </a:xfrm>
+        </p:spPr>
+        <p:txBody>
+          <a:bodyPr>
+            <a:normAutofit fontScale="90000"/>
+          </a:bodyPr>
+          <a:lstStyle/>
+          <a:p>
+            <a:r>
+              <a:rPr lang="en-US" dirty="0" smtClean="0"/>
+              <a:t>Harmonic Losses by measurements</a:t>
+            </a:r>
+            <a:endParaRPr lang="sv-SE" dirty="0"/>
+          </a:p>
+        </p:txBody>
+      </p:sp>
+      <mc:AlternateContent xmlns:mc="http://schemas.openxmlformats.org/markup-compatibility/2006" xmlns:a14="http://schemas.microsoft.com/office/drawing/2010/main">
+        <mc:Choice Requires="a14">
+          <p:sp>
+            <p:nvSpPr>
+              <p:cNvPr id="6" name="TextBox 5"/>
+              <p:cNvSpPr txBox="1"/>
+              <p:nvPr/>
+            </p:nvSpPr>
+            <p:spPr>
+              <a:xfrm>
+                <a:off x="3780753" y="1330793"/>
+                <a:ext cx="4325022" cy="477054"/>
+              </a:xfrm>
+              <a:prstGeom prst="rect">
+                <a:avLst/>
+              </a:prstGeom>
+              <a:noFill/>
+            </p:spPr>
+            <p:txBody>
+              <a:bodyPr wrap="square" rtlCol="0">
+                <a:spAutoFit/>
+              </a:bodyPr>
+              <a:lstStyle/>
+              <a:p>
+                <a14:m>
+                  <m:oMath xmlns:m="http://schemas.openxmlformats.org/officeDocument/2006/math">
+                    <m:sSub>
+                      <m:sSubPr>
+                        <m:ctrlPr>
+                          <a:rPr lang="en-US" sz="2500" i="1" dirty="0" smtClean="0">
+                            <a:latin typeface="Cambria Math" panose="02040503050406030204" pitchFamily="18" charset="0"/>
+                            <a:cs typeface="Times New Roman" panose="02020603050405020304" pitchFamily="18" charset="0"/>
+                          </a:rPr>
+                        </m:ctrlPr>
+                      </m:sSubPr>
+                      <m:e>
+                        <m:r>
+                          <a:rPr lang="en-US" sz="2500" i="1" dirty="0">
+                            <a:latin typeface="Cambria Math" panose="02040503050406030204" pitchFamily="18" charset="0"/>
+                            <a:cs typeface="Times New Roman" panose="02020603050405020304" pitchFamily="18" charset="0"/>
+                          </a:rPr>
+                          <m:t>𝑃</m:t>
+                        </m:r>
+                      </m:e>
+                      <m:sub>
+                        <m:r>
+                          <a:rPr lang="en-US" sz="2500" i="1" dirty="0">
+                            <a:latin typeface="Cambria Math" panose="02040503050406030204" pitchFamily="18" charset="0"/>
+                            <a:cs typeface="Times New Roman" panose="02020603050405020304" pitchFamily="18" charset="0"/>
+                          </a:rPr>
+                          <m:t>h</m:t>
+                        </m:r>
+                      </m:sub>
+                    </m:sSub>
+                    <m:r>
+                      <a:rPr lang="sv-SE" sz="2500" b="0" i="1" dirty="0" smtClean="0">
+                        <a:latin typeface="Cambria Math" panose="02040503050406030204" pitchFamily="18" charset="0"/>
+                        <a:cs typeface="Times New Roman" panose="02020603050405020304" pitchFamily="18" charset="0"/>
+                      </a:rPr>
+                      <m:t>=</m:t>
+                    </m:r>
+                    <m:sSub>
+                      <m:sSubPr>
+                        <m:ctrlPr>
+                          <a:rPr lang="sv-SE" sz="2500" b="0" i="1" dirty="0" smtClean="0">
+                            <a:latin typeface="Cambria Math" panose="02040503050406030204" pitchFamily="18" charset="0"/>
+                            <a:cs typeface="Times New Roman" panose="02020603050405020304" pitchFamily="18" charset="0"/>
+                          </a:rPr>
+                        </m:ctrlPr>
+                      </m:sSubPr>
+                      <m:e>
+                        <m:r>
+                          <a:rPr lang="sv-SE" sz="2500" b="0" i="1" dirty="0" smtClean="0">
+                            <a:latin typeface="Cambria Math" panose="02040503050406030204" pitchFamily="18" charset="0"/>
+                            <a:cs typeface="Times New Roman" panose="02020603050405020304" pitchFamily="18" charset="0"/>
+                          </a:rPr>
+                          <m:t>𝑃</m:t>
+                        </m:r>
+                      </m:e>
+                      <m:sub>
+                        <m:r>
+                          <a:rPr lang="sv-SE" sz="2500" b="0" i="1" dirty="0" smtClean="0">
+                            <a:latin typeface="Cambria Math" panose="02040503050406030204" pitchFamily="18" charset="0"/>
+                            <a:cs typeface="Times New Roman" panose="02020603050405020304" pitchFamily="18" charset="0"/>
+                          </a:rPr>
+                          <m:t>h</m:t>
+                        </m:r>
+                        <m:r>
+                          <a:rPr lang="sv-SE" sz="2500" b="0" i="1" dirty="0" smtClean="0">
+                            <a:latin typeface="Cambria Math" panose="02040503050406030204" pitchFamily="18" charset="0"/>
+                            <a:cs typeface="Times New Roman" panose="02020603050405020304" pitchFamily="18" charset="0"/>
+                          </a:rPr>
+                          <m:t>−</m:t>
+                        </m:r>
+                        <m:r>
+                          <a:rPr lang="sv-SE" sz="2500" b="0" i="1" dirty="0" smtClean="0">
+                            <a:latin typeface="Cambria Math" panose="02040503050406030204" pitchFamily="18" charset="0"/>
+                            <a:cs typeface="Times New Roman" panose="02020603050405020304" pitchFamily="18" charset="0"/>
+                          </a:rPr>
+                          <m:t>𝑠𝑡𝑎𝑡𝑜𝑟</m:t>
+                        </m:r>
+                      </m:sub>
+                    </m:sSub>
+                    <m:r>
+                      <a:rPr lang="sv-SE" sz="2500" b="0" i="1" dirty="0" smtClean="0">
+                        <a:latin typeface="Cambria Math" panose="02040503050406030204" pitchFamily="18" charset="0"/>
+                        <a:cs typeface="Times New Roman" panose="02020603050405020304" pitchFamily="18" charset="0"/>
+                      </a:rPr>
+                      <m:t>+</m:t>
+                    </m:r>
+                    <m:sSub>
+                      <m:sSubPr>
+                        <m:ctrlPr>
+                          <a:rPr lang="sv-SE" sz="2500" b="0" i="1" dirty="0" smtClean="0">
+                            <a:latin typeface="Cambria Math" panose="02040503050406030204" pitchFamily="18" charset="0"/>
+                            <a:cs typeface="Times New Roman" panose="02020603050405020304" pitchFamily="18" charset="0"/>
+                          </a:rPr>
+                        </m:ctrlPr>
+                      </m:sSubPr>
+                      <m:e>
+                        <m:r>
+                          <a:rPr lang="sv-SE" sz="2500" b="0" i="1" dirty="0" smtClean="0">
+                            <a:latin typeface="Cambria Math" panose="02040503050406030204" pitchFamily="18" charset="0"/>
+                            <a:cs typeface="Times New Roman" panose="02020603050405020304" pitchFamily="18" charset="0"/>
+                          </a:rPr>
+                          <m:t>𝑃</m:t>
+                        </m:r>
+                      </m:e>
+                      <m:sub>
+                        <m:r>
+                          <a:rPr lang="sv-SE" sz="2500" b="0" i="1" dirty="0" smtClean="0">
+                            <a:latin typeface="Cambria Math" panose="02040503050406030204" pitchFamily="18" charset="0"/>
+                            <a:cs typeface="Times New Roman" panose="02020603050405020304" pitchFamily="18" charset="0"/>
+                          </a:rPr>
+                          <m:t>h</m:t>
+                        </m:r>
+                        <m:r>
+                          <a:rPr lang="sv-SE" sz="2500" b="0" i="1" dirty="0" smtClean="0">
+                            <a:latin typeface="Cambria Math" panose="02040503050406030204" pitchFamily="18" charset="0"/>
+                            <a:cs typeface="Times New Roman" panose="02020603050405020304" pitchFamily="18" charset="0"/>
+                          </a:rPr>
+                          <m:t>−</m:t>
+                        </m:r>
+                        <m:r>
+                          <a:rPr lang="sv-SE" sz="2500" b="0" i="1" dirty="0" smtClean="0">
+                            <a:latin typeface="Cambria Math" panose="02040503050406030204" pitchFamily="18" charset="0"/>
+                            <a:cs typeface="Times New Roman" panose="02020603050405020304" pitchFamily="18" charset="0"/>
+                          </a:rPr>
+                          <m:t>𝑟𝑜𝑡𝑜𝑟</m:t>
+                        </m:r>
+                      </m:sub>
+                    </m:sSub>
+                  </m:oMath>
+                </a14:m>
+                <a:r>
+                  <a:rPr lang="en-US" sz="2500" dirty="0" smtClean="0">
+                    <a:latin typeface="+mj-lt"/>
+                    <a:cs typeface="Times New Roman" panose="02020603050405020304" pitchFamily="18" charset="0"/>
+                  </a:rPr>
+                  <a:t> </a:t>
+                </a:r>
+                <a:endParaRPr lang="en-US" sz="2500" dirty="0">
+                  <a:latin typeface="+mj-lt"/>
+                  <a:cs typeface="Times New Roman" panose="02020603050405020304" pitchFamily="18" charset="0"/>
+                </a:endParaRPr>
+              </a:p>
+            </p:txBody>
+          </p:sp>
+        </mc:Choice>
+        <mc:Fallback xmlns="">
+          <p:sp>
+            <p:nvSpPr>
+              <p:cNvPr id="6" name="TextBox 5"/>
+              <p:cNvSpPr txBox="1">
+                <a:spLocks noRot="1" noChangeAspect="1" noMove="1" noResize="1" noEditPoints="1" noAdjustHandles="1" noChangeArrowheads="1" noChangeShapeType="1" noTextEdit="1"/>
+              </p:cNvSpPr>
+              <p:nvPr/>
+            </p:nvSpPr>
+            <p:spPr>
+              <a:xfrm>
+                <a:off x="3780753" y="1330793"/>
+                <a:ext cx="4325022" cy="477054"/>
+              </a:xfrm>
+              <a:prstGeom prst="rect">
+                <a:avLst/>
+              </a:prstGeom>
+              <a:blipFill>
+                <a:blip r:embed="rId2"/>
+                <a:stretch>
+                  <a:fillRect l="-423" b="-2532"/>
+                </a:stretch>
+              </a:blipFill>
+            </p:spPr>
+            <p:txBody>
+              <a:bodyPr/>
+              <a:lstStyle/>
+              <a:p>
+                <a:r>
+                  <a:rPr lang="sv-SE">
+                    <a:noFill/>
+                  </a:rPr>
+                  <a:t> </a:t>
+                </a:r>
+              </a:p>
+            </p:txBody>
+          </p:sp>
+        </mc:Fallback>
+      </mc:AlternateContent>
+      <p:cxnSp>
+        <p:nvCxnSpPr>
+          <p:cNvPr id="11" name="Straight Arrow Connector 10"/>
+          <p:cNvCxnSpPr/>
+          <p:nvPr/>
+        </p:nvCxnSpPr>
+        <p:spPr>
+          <a:xfrm flipH="1">
+            <a:off x="4048125" y="1876425"/>
+            <a:ext cx="1085850" cy="714375"/>
+          </a:xfrm>
+          <a:prstGeom prst="straightConnector1">
+            <a:avLst/>
+          </a:prstGeom>
+          <a:ln>
+            <a:solidFill>
+              <a:schemeClr val="tx1"/>
+            </a:solidFill>
+            <a:tailEnd type="triangle"/>
+          </a:ln>
+        </p:spPr>
+        <p:style>
+          <a:lnRef idx="1">
+            <a:schemeClr val="accent1"/>
+          </a:lnRef>
+          <a:fillRef idx="0">
+            <a:schemeClr val="accent1"/>
+          </a:fillRef>
+          <a:effectRef idx="0">
+            <a:schemeClr val="accent1"/>
+          </a:effectRef>
+          <a:fontRef idx="minor">
+            <a:schemeClr val="tx1"/>
+          </a:fontRef>
+        </p:style>
+      </p:cxnSp>
+      <p:sp>
+        <p:nvSpPr>
+          <p:cNvPr id="14" name="TextBox 13"/>
+          <p:cNvSpPr txBox="1"/>
+          <p:nvPr/>
+        </p:nvSpPr>
+        <p:spPr>
+          <a:xfrm>
+            <a:off x="275552" y="1716676"/>
+            <a:ext cx="2990849" cy="369332"/>
+          </a:xfrm>
+          <a:prstGeom prst="rect">
+            <a:avLst/>
+          </a:prstGeom>
+          <a:noFill/>
+        </p:spPr>
+        <p:txBody>
+          <a:bodyPr wrap="square" rtlCol="0">
+            <a:spAutoFit/>
+          </a:bodyPr>
+          <a:lstStyle/>
+          <a:p>
+            <a:r>
+              <a:rPr lang="sv-SE" dirty="0" smtClean="0"/>
+              <a:t>n= </a:t>
+            </a:r>
+            <a:r>
+              <a:rPr lang="sv-SE" dirty="0" err="1" smtClean="0"/>
+              <a:t>harmonic</a:t>
+            </a:r>
+            <a:r>
+              <a:rPr lang="sv-SE" dirty="0" smtClean="0"/>
+              <a:t> </a:t>
+            </a:r>
+            <a:r>
+              <a:rPr lang="sv-SE" dirty="0" err="1" smtClean="0"/>
+              <a:t>number</a:t>
+            </a:r>
+            <a:endParaRPr lang="sv-SE" dirty="0"/>
+          </a:p>
+        </p:txBody>
+      </p:sp>
+      <mc:AlternateContent xmlns:mc="http://schemas.openxmlformats.org/markup-compatibility/2006">
+        <mc:Choice xmlns:a14="http://schemas.microsoft.com/office/drawing/2010/main" Requires="a14">
+          <p:sp>
+            <p:nvSpPr>
+              <p:cNvPr id="15" name="TextBox 14"/>
+              <p:cNvSpPr txBox="1"/>
+              <p:nvPr/>
+            </p:nvSpPr>
+            <p:spPr>
+              <a:xfrm>
+                <a:off x="1618242" y="2659378"/>
+                <a:ext cx="4325022" cy="477054"/>
+              </a:xfrm>
+              <a:prstGeom prst="rect">
+                <a:avLst/>
+              </a:prstGeom>
+              <a:noFill/>
+            </p:spPr>
+            <p:txBody>
+              <a:bodyPr wrap="square" rtlCol="0">
+                <a:spAutoFit/>
+              </a:bodyPr>
+              <a:lstStyle/>
+              <a:p>
+                <a:pPr/>
+                <a14:m>
+                  <m:oMathPara xmlns:m="http://schemas.openxmlformats.org/officeDocument/2006/math">
+                    <m:oMathParaPr>
+                      <m:jc m:val="centerGroup"/>
+                    </m:oMathParaPr>
+                    <m:oMath xmlns:m="http://schemas.openxmlformats.org/officeDocument/2006/math">
+                      <m:sSub>
+                        <m:sSubPr>
+                          <m:ctrlPr>
+                            <a:rPr lang="en-US" sz="2500" i="1" dirty="0" smtClean="0">
+                              <a:latin typeface="Cambria Math" panose="02040503050406030204" pitchFamily="18" charset="0"/>
+                              <a:cs typeface="Times New Roman" panose="02020603050405020304" pitchFamily="18" charset="0"/>
+                            </a:rPr>
+                          </m:ctrlPr>
+                        </m:sSubPr>
+                        <m:e>
+                          <m:r>
+                            <a:rPr lang="en-US" sz="2500" i="1" dirty="0">
+                              <a:latin typeface="Cambria Math" panose="02040503050406030204" pitchFamily="18" charset="0"/>
+                              <a:cs typeface="Times New Roman" panose="02020603050405020304" pitchFamily="18" charset="0"/>
+                            </a:rPr>
+                            <m:t>𝑃</m:t>
+                          </m:r>
+                        </m:e>
+                        <m:sub>
+                          <m:r>
+                            <a:rPr lang="sv-SE" sz="2500" b="0" i="1" dirty="0" smtClean="0">
+                              <a:latin typeface="Cambria Math" panose="02040503050406030204" pitchFamily="18" charset="0"/>
+                              <a:cs typeface="Times New Roman" panose="02020603050405020304" pitchFamily="18" charset="0"/>
+                            </a:rPr>
+                            <m:t>𝑛</m:t>
+                          </m:r>
+                        </m:sub>
+                      </m:sSub>
+                      <m:r>
+                        <a:rPr lang="sv-SE" sz="2500" b="0" i="1" dirty="0" smtClean="0">
+                          <a:latin typeface="Cambria Math" panose="02040503050406030204" pitchFamily="18" charset="0"/>
+                          <a:cs typeface="Times New Roman" panose="02020603050405020304" pitchFamily="18" charset="0"/>
+                        </a:rPr>
+                        <m:t>=</m:t>
+                      </m:r>
+                      <m:sSubSup>
+                        <m:sSubSupPr>
+                          <m:ctrlPr>
+                            <a:rPr lang="sv-SE" sz="2500" b="0" i="1" dirty="0" smtClean="0">
+                              <a:latin typeface="Cambria Math" panose="02040503050406030204" pitchFamily="18" charset="0"/>
+                              <a:cs typeface="Times New Roman" panose="02020603050405020304" pitchFamily="18" charset="0"/>
+                            </a:rPr>
+                          </m:ctrlPr>
+                        </m:sSubSupPr>
+                        <m:e>
+                          <m:r>
+                            <a:rPr lang="sv-SE" sz="2500" b="0" i="1" dirty="0" smtClean="0">
+                              <a:latin typeface="Cambria Math" panose="02040503050406030204" pitchFamily="18" charset="0"/>
+                              <a:cs typeface="Times New Roman" panose="02020603050405020304" pitchFamily="18" charset="0"/>
+                            </a:rPr>
+                            <m:t>𝐼</m:t>
+                          </m:r>
+                        </m:e>
+                        <m:sub>
+                          <m:r>
+                            <a:rPr lang="sv-SE" sz="2500" b="0" i="1" dirty="0" smtClean="0">
+                              <a:latin typeface="Cambria Math" panose="02040503050406030204" pitchFamily="18" charset="0"/>
+                              <a:cs typeface="Times New Roman" panose="02020603050405020304" pitchFamily="18" charset="0"/>
+                            </a:rPr>
+                            <m:t>𝑛</m:t>
+                          </m:r>
+                        </m:sub>
+                        <m:sup>
+                          <m:r>
+                            <a:rPr lang="sv-SE" sz="2500" b="0" i="1" dirty="0" smtClean="0">
+                              <a:latin typeface="Cambria Math" panose="02040503050406030204" pitchFamily="18" charset="0"/>
+                              <a:cs typeface="Times New Roman" panose="02020603050405020304" pitchFamily="18" charset="0"/>
+                            </a:rPr>
+                            <m:t>2</m:t>
+                          </m:r>
+                        </m:sup>
+                      </m:sSubSup>
+                      <m:r>
+                        <a:rPr lang="sv-SE" sz="2500" b="0" i="1" dirty="0" smtClean="0">
+                          <a:latin typeface="Cambria Math" panose="02040503050406030204" pitchFamily="18" charset="0"/>
+                          <a:cs typeface="Times New Roman" panose="02020603050405020304" pitchFamily="18" charset="0"/>
+                        </a:rPr>
+                        <m:t>.  </m:t>
+                      </m:r>
+                      <m:sSub>
+                        <m:sSubPr>
+                          <m:ctrlPr>
+                            <a:rPr lang="sv-SE" sz="2500" b="0" i="1" dirty="0" smtClean="0">
+                              <a:latin typeface="Cambria Math" panose="02040503050406030204" pitchFamily="18" charset="0"/>
+                              <a:cs typeface="Times New Roman" panose="02020603050405020304" pitchFamily="18" charset="0"/>
+                            </a:rPr>
+                          </m:ctrlPr>
+                        </m:sSubPr>
+                        <m:e>
+                          <m:r>
+                            <a:rPr lang="sv-SE" sz="2500" b="0" i="1" dirty="0" smtClean="0">
+                              <a:latin typeface="Cambria Math" panose="02040503050406030204" pitchFamily="18" charset="0"/>
+                              <a:cs typeface="Times New Roman" panose="02020603050405020304" pitchFamily="18" charset="0"/>
+                            </a:rPr>
+                            <m:t>𝐾</m:t>
+                          </m:r>
+                        </m:e>
+                        <m:sub>
+                          <m:r>
+                            <a:rPr lang="sv-SE" sz="2500" b="0" i="1" dirty="0" smtClean="0">
+                              <a:latin typeface="Cambria Math" panose="02040503050406030204" pitchFamily="18" charset="0"/>
+                              <a:cs typeface="Times New Roman" panose="02020603050405020304" pitchFamily="18" charset="0"/>
+                            </a:rPr>
+                            <m:t>h</m:t>
+                          </m:r>
+                        </m:sub>
+                      </m:sSub>
+                      <m:r>
+                        <a:rPr lang="sv-SE" sz="2500" b="0" i="1" dirty="0" smtClean="0">
+                          <a:latin typeface="Cambria Math" panose="02040503050406030204" pitchFamily="18" charset="0"/>
+                          <a:cs typeface="Times New Roman" panose="02020603050405020304" pitchFamily="18" charset="0"/>
+                        </a:rPr>
+                        <m:t>(</m:t>
+                      </m:r>
+                      <m:r>
+                        <a:rPr lang="sv-SE" sz="2500" b="0" i="1" dirty="0" smtClean="0">
+                          <a:latin typeface="Cambria Math" panose="02040503050406030204" pitchFamily="18" charset="0"/>
+                          <a:cs typeface="Times New Roman" panose="02020603050405020304" pitchFamily="18" charset="0"/>
+                        </a:rPr>
+                        <m:t>𝑛</m:t>
+                      </m:r>
+                      <m:r>
+                        <a:rPr lang="sv-SE" sz="2500" b="0" i="1" dirty="0" smtClean="0">
+                          <a:latin typeface="Cambria Math" panose="02040503050406030204" pitchFamily="18" charset="0"/>
+                          <a:cs typeface="Times New Roman" panose="02020603050405020304" pitchFamily="18" charset="0"/>
+                        </a:rPr>
+                        <m:t>) </m:t>
+                      </m:r>
+                    </m:oMath>
+                  </m:oMathPara>
+                </a14:m>
+                <a:endParaRPr lang="en-US" sz="2500" dirty="0">
+                  <a:latin typeface="+mj-lt"/>
+                  <a:cs typeface="Times New Roman" panose="02020603050405020304" pitchFamily="18" charset="0"/>
+                </a:endParaRPr>
+              </a:p>
+            </p:txBody>
+          </p:sp>
+        </mc:Choice>
+        <mc:Fallback>
+          <p:sp>
+            <p:nvSpPr>
+              <p:cNvPr id="15" name="TextBox 14"/>
+              <p:cNvSpPr txBox="1">
+                <a:spLocks noRot="1" noChangeAspect="1" noMove="1" noResize="1" noEditPoints="1" noAdjustHandles="1" noChangeArrowheads="1" noChangeShapeType="1" noTextEdit="1"/>
+              </p:cNvSpPr>
+              <p:nvPr/>
+            </p:nvSpPr>
+            <p:spPr>
+              <a:xfrm>
+                <a:off x="1618242" y="2659378"/>
+                <a:ext cx="4325022" cy="477054"/>
+              </a:xfrm>
+              <a:prstGeom prst="rect">
+                <a:avLst/>
+              </a:prstGeom>
+              <a:blipFill>
+                <a:blip r:embed="rId3"/>
+                <a:stretch>
+                  <a:fillRect b="-16456"/>
+                </a:stretch>
+              </a:blipFill>
+            </p:spPr>
+            <p:txBody>
+              <a:bodyPr/>
+              <a:lstStyle/>
+              <a:p>
+                <a:r>
+                  <a:rPr lang="sv-SE">
+                    <a:noFill/>
+                  </a:rPr>
+                  <a:t> </a:t>
+                </a:r>
+              </a:p>
+            </p:txBody>
+          </p:sp>
+        </mc:Fallback>
+      </mc:AlternateContent>
+      <p:cxnSp>
+        <p:nvCxnSpPr>
+          <p:cNvPr id="23" name="Straight Arrow Connector 22"/>
+          <p:cNvCxnSpPr/>
+          <p:nvPr/>
+        </p:nvCxnSpPr>
+        <p:spPr>
+          <a:xfrm>
+            <a:off x="6678809" y="1846507"/>
+            <a:ext cx="531616" cy="744293"/>
+          </a:xfrm>
+          <a:prstGeom prst="straightConnector1">
+            <a:avLst/>
+          </a:prstGeom>
+          <a:ln>
+            <a:solidFill>
+              <a:schemeClr val="tx1"/>
+            </a:solidFill>
+            <a:tailEnd type="triangle"/>
+          </a:ln>
+        </p:spPr>
+        <p:style>
+          <a:lnRef idx="1">
+            <a:schemeClr val="accent1"/>
+          </a:lnRef>
+          <a:fillRef idx="0">
+            <a:schemeClr val="accent1"/>
+          </a:fillRef>
+          <a:effectRef idx="0">
+            <a:schemeClr val="accent1"/>
+          </a:effectRef>
+          <a:fontRef idx="minor">
+            <a:schemeClr val="tx1"/>
+          </a:fontRef>
+        </p:style>
+      </p:cxnSp>
+      <mc:AlternateContent xmlns:mc="http://schemas.openxmlformats.org/markup-compatibility/2006">
+        <mc:Choice xmlns:a14="http://schemas.microsoft.com/office/drawing/2010/main" Requires="a14">
+          <p:sp>
+            <p:nvSpPr>
+              <p:cNvPr id="25" name="TextBox 24"/>
+              <p:cNvSpPr txBox="1"/>
+              <p:nvPr/>
+            </p:nvSpPr>
+            <p:spPr>
+              <a:xfrm>
+                <a:off x="5461449" y="2605655"/>
+                <a:ext cx="4325022" cy="477054"/>
+              </a:xfrm>
+              <a:prstGeom prst="rect">
+                <a:avLst/>
+              </a:prstGeom>
+              <a:noFill/>
+            </p:spPr>
+            <p:txBody>
+              <a:bodyPr wrap="square" rtlCol="0">
+                <a:spAutoFit/>
+              </a:bodyPr>
+              <a:lstStyle/>
+              <a:p>
+                <a:pPr/>
+                <a14:m>
+                  <m:oMathPara xmlns:m="http://schemas.openxmlformats.org/officeDocument/2006/math">
+                    <m:oMathParaPr>
+                      <m:jc m:val="centerGroup"/>
+                    </m:oMathParaPr>
+                    <m:oMath xmlns:m="http://schemas.openxmlformats.org/officeDocument/2006/math">
+                      <m:sSub>
+                        <m:sSubPr>
+                          <m:ctrlPr>
+                            <a:rPr lang="en-US" sz="2500" i="1" dirty="0" smtClean="0">
+                              <a:latin typeface="Cambria Math" panose="02040503050406030204" pitchFamily="18" charset="0"/>
+                              <a:cs typeface="Times New Roman" panose="02020603050405020304" pitchFamily="18" charset="0"/>
+                            </a:rPr>
+                          </m:ctrlPr>
+                        </m:sSubPr>
+                        <m:e>
+                          <m:r>
+                            <a:rPr lang="en-US" sz="2500" i="1" dirty="0">
+                              <a:latin typeface="Cambria Math" panose="02040503050406030204" pitchFamily="18" charset="0"/>
+                              <a:cs typeface="Times New Roman" panose="02020603050405020304" pitchFamily="18" charset="0"/>
+                            </a:rPr>
+                            <m:t>𝑃</m:t>
+                          </m:r>
+                        </m:e>
+                        <m:sub>
+                          <m:r>
+                            <a:rPr lang="sv-SE" sz="2500" b="0" i="1" dirty="0" smtClean="0">
+                              <a:latin typeface="Cambria Math" panose="02040503050406030204" pitchFamily="18" charset="0"/>
+                              <a:cs typeface="Times New Roman" panose="02020603050405020304" pitchFamily="18" charset="0"/>
+                            </a:rPr>
+                            <m:t>𝑛</m:t>
+                          </m:r>
+                        </m:sub>
+                      </m:sSub>
+                      <m:r>
+                        <a:rPr lang="sv-SE" sz="2500" b="0" i="1" dirty="0" smtClean="0">
+                          <a:latin typeface="Cambria Math" panose="02040503050406030204" pitchFamily="18" charset="0"/>
+                          <a:cs typeface="Times New Roman" panose="02020603050405020304" pitchFamily="18" charset="0"/>
+                        </a:rPr>
+                        <m:t>=</m:t>
+                      </m:r>
+                      <m:sSubSup>
+                        <m:sSubSupPr>
+                          <m:ctrlPr>
+                            <a:rPr lang="sv-SE" sz="2500" b="0" i="1" dirty="0" smtClean="0">
+                              <a:latin typeface="Cambria Math" panose="02040503050406030204" pitchFamily="18" charset="0"/>
+                              <a:cs typeface="Times New Roman" panose="02020603050405020304" pitchFamily="18" charset="0"/>
+                            </a:rPr>
+                          </m:ctrlPr>
+                        </m:sSubSupPr>
+                        <m:e>
+                          <m:r>
+                            <a:rPr lang="sv-SE" sz="2500" b="0" i="1" dirty="0" smtClean="0">
+                              <a:latin typeface="Cambria Math" panose="02040503050406030204" pitchFamily="18" charset="0"/>
+                              <a:cs typeface="Times New Roman" panose="02020603050405020304" pitchFamily="18" charset="0"/>
+                            </a:rPr>
+                            <m:t>𝐼</m:t>
+                          </m:r>
+                        </m:e>
+                        <m:sub>
+                          <m:r>
+                            <a:rPr lang="sv-SE" sz="2500" b="0" i="1" dirty="0" smtClean="0">
+                              <a:latin typeface="Cambria Math" panose="02040503050406030204" pitchFamily="18" charset="0"/>
+                              <a:cs typeface="Times New Roman" panose="02020603050405020304" pitchFamily="18" charset="0"/>
+                            </a:rPr>
+                            <m:t>𝑛</m:t>
+                          </m:r>
+                        </m:sub>
+                        <m:sup>
+                          <m:r>
+                            <a:rPr lang="sv-SE" sz="2500" b="0" i="1" dirty="0" smtClean="0">
+                              <a:latin typeface="Cambria Math" panose="02040503050406030204" pitchFamily="18" charset="0"/>
+                              <a:cs typeface="Times New Roman" panose="02020603050405020304" pitchFamily="18" charset="0"/>
+                            </a:rPr>
+                            <m:t>2</m:t>
+                          </m:r>
+                        </m:sup>
+                      </m:sSubSup>
+                      <m:r>
+                        <a:rPr lang="sv-SE" sz="2500" b="0" i="1" dirty="0" smtClean="0">
+                          <a:latin typeface="Cambria Math" panose="02040503050406030204" pitchFamily="18" charset="0"/>
+                          <a:cs typeface="Times New Roman" panose="02020603050405020304" pitchFamily="18" charset="0"/>
+                        </a:rPr>
+                        <m:t>.  </m:t>
+                      </m:r>
+                      <m:sSub>
+                        <m:sSubPr>
+                          <m:ctrlPr>
+                            <a:rPr lang="sv-SE" sz="2500" b="0" i="1" dirty="0" smtClean="0">
+                              <a:latin typeface="Cambria Math" panose="02040503050406030204" pitchFamily="18" charset="0"/>
+                              <a:cs typeface="Times New Roman" panose="02020603050405020304" pitchFamily="18" charset="0"/>
+                            </a:rPr>
+                          </m:ctrlPr>
+                        </m:sSubPr>
+                        <m:e>
+                          <m:r>
+                            <a:rPr lang="sv-SE" sz="2500" b="0" i="1" dirty="0" smtClean="0">
+                              <a:latin typeface="Cambria Math" panose="02040503050406030204" pitchFamily="18" charset="0"/>
+                              <a:cs typeface="Times New Roman" panose="02020603050405020304" pitchFamily="18" charset="0"/>
+                            </a:rPr>
+                            <m:t>𝐾</m:t>
+                          </m:r>
+                        </m:e>
+                        <m:sub>
+                          <m:r>
+                            <a:rPr lang="sv-SE" sz="2500" b="0" i="1" dirty="0" smtClean="0">
+                              <a:latin typeface="Cambria Math" panose="02040503050406030204" pitchFamily="18" charset="0"/>
+                              <a:cs typeface="Times New Roman" panose="02020603050405020304" pitchFamily="18" charset="0"/>
+                            </a:rPr>
+                            <m:t>h</m:t>
+                          </m:r>
+                        </m:sub>
+                      </m:sSub>
+                      <m:r>
+                        <a:rPr lang="sv-SE" sz="2500" b="0" i="1" dirty="0" smtClean="0">
+                          <a:latin typeface="Cambria Math" panose="02040503050406030204" pitchFamily="18" charset="0"/>
+                          <a:cs typeface="Times New Roman" panose="02020603050405020304" pitchFamily="18" charset="0"/>
+                        </a:rPr>
+                        <m:t>(</m:t>
+                      </m:r>
+                      <m:r>
+                        <a:rPr lang="sv-SE" sz="2500" b="0" i="1" dirty="0" smtClean="0">
+                          <a:latin typeface="Cambria Math" panose="02040503050406030204" pitchFamily="18" charset="0"/>
+                          <a:cs typeface="Times New Roman" panose="02020603050405020304" pitchFamily="18" charset="0"/>
+                        </a:rPr>
+                        <m:t>𝑛</m:t>
+                      </m:r>
+                      <m:r>
+                        <a:rPr lang="sv-SE" sz="2500" b="0" i="1" dirty="0" smtClean="0">
+                          <a:latin typeface="Cambria Math" panose="02040503050406030204" pitchFamily="18" charset="0"/>
+                          <a:cs typeface="Times New Roman" panose="02020603050405020304" pitchFamily="18" charset="0"/>
+                        </a:rPr>
+                        <m:t>±1) </m:t>
+                      </m:r>
+                    </m:oMath>
+                  </m:oMathPara>
+                </a14:m>
+                <a:endParaRPr lang="en-US" sz="2500" dirty="0">
+                  <a:latin typeface="+mj-lt"/>
+                  <a:cs typeface="Times New Roman" panose="02020603050405020304" pitchFamily="18" charset="0"/>
+                </a:endParaRPr>
+              </a:p>
+            </p:txBody>
+          </p:sp>
+        </mc:Choice>
+        <mc:Fallback>
+          <p:sp>
+            <p:nvSpPr>
+              <p:cNvPr id="25" name="TextBox 24"/>
+              <p:cNvSpPr txBox="1">
+                <a:spLocks noRot="1" noChangeAspect="1" noMove="1" noResize="1" noEditPoints="1" noAdjustHandles="1" noChangeArrowheads="1" noChangeShapeType="1" noTextEdit="1"/>
+              </p:cNvSpPr>
+              <p:nvPr/>
+            </p:nvSpPr>
+            <p:spPr>
+              <a:xfrm>
+                <a:off x="5461449" y="2605655"/>
+                <a:ext cx="4325022" cy="477054"/>
+              </a:xfrm>
+              <a:prstGeom prst="rect">
+                <a:avLst/>
+              </a:prstGeom>
+              <a:blipFill>
+                <a:blip r:embed="rId4"/>
+                <a:stretch>
+                  <a:fillRect b="-16456"/>
+                </a:stretch>
+              </a:blipFill>
+            </p:spPr>
+            <p:txBody>
+              <a:bodyPr/>
+              <a:lstStyle/>
+              <a:p>
+                <a:r>
+                  <a:rPr lang="sv-SE">
+                    <a:noFill/>
+                  </a:rPr>
+                  <a:t> </a:t>
+                </a:r>
+              </a:p>
+            </p:txBody>
+          </p:sp>
+        </mc:Fallback>
+      </mc:AlternateContent>
+      <mc:AlternateContent xmlns:mc="http://schemas.openxmlformats.org/markup-compatibility/2006">
+        <mc:Choice xmlns:a14="http://schemas.microsoft.com/office/drawing/2010/main" Requires="a14">
+          <p:sp>
+            <p:nvSpPr>
+              <p:cNvPr id="3" name="Rectangle 2"/>
+              <p:cNvSpPr/>
+              <p:nvPr/>
+            </p:nvSpPr>
+            <p:spPr>
+              <a:xfrm>
+                <a:off x="-83801" y="4717881"/>
+                <a:ext cx="3350202" cy="895886"/>
+              </a:xfrm>
+              <a:prstGeom prst="rect">
+                <a:avLst/>
+              </a:prstGeom>
+            </p:spPr>
+            <p:txBody>
+              <a:bodyPr wrap="square">
+                <a:spAutoFit/>
+              </a:bodyPr>
+              <a:lstStyle/>
+              <a:p>
+                <a:pPr/>
+                <a14:m>
+                  <m:oMathPara xmlns:m="http://schemas.openxmlformats.org/officeDocument/2006/math">
+                    <m:oMathParaPr>
+                      <m:jc m:val="centerGroup"/>
+                    </m:oMathParaPr>
+                    <m:oMath xmlns:m="http://schemas.openxmlformats.org/officeDocument/2006/math">
+                      <m:sSub>
+                        <m:sSubPr>
+                          <m:ctrlPr>
+                            <a:rPr lang="en-US" sz="2400" i="1" dirty="0" smtClean="0">
+                              <a:latin typeface="Cambria Math" panose="02040503050406030204" pitchFamily="18" charset="0"/>
+                              <a:cs typeface="Times New Roman" panose="02020603050405020304" pitchFamily="18" charset="0"/>
+                            </a:rPr>
+                          </m:ctrlPr>
+                        </m:sSubPr>
+                        <m:e>
+                          <m:r>
+                            <a:rPr lang="sv-SE" sz="2400" b="0" i="1" dirty="0" smtClean="0">
+                              <a:latin typeface="Cambria Math" panose="02040503050406030204" pitchFamily="18" charset="0"/>
+                              <a:cs typeface="Times New Roman" panose="02020603050405020304" pitchFamily="18" charset="0"/>
+                            </a:rPr>
+                            <m:t>𝐼</m:t>
+                          </m:r>
+                        </m:e>
+                        <m:sub>
+                          <m:r>
+                            <a:rPr lang="sv-SE" sz="2400" i="1" dirty="0">
+                              <a:latin typeface="Cambria Math" panose="02040503050406030204" pitchFamily="18" charset="0"/>
+                              <a:cs typeface="Times New Roman" panose="02020603050405020304" pitchFamily="18" charset="0"/>
+                            </a:rPr>
+                            <m:t>𝑛</m:t>
+                          </m:r>
+                        </m:sub>
+                      </m:sSub>
+                      <m:r>
+                        <a:rPr lang="sv-SE" sz="2400" i="1" dirty="0">
+                          <a:latin typeface="Cambria Math" panose="02040503050406030204" pitchFamily="18" charset="0"/>
+                          <a:cs typeface="Times New Roman" panose="02020603050405020304" pitchFamily="18" charset="0"/>
+                        </a:rPr>
+                        <m:t>=</m:t>
+                      </m:r>
+                      <m:f>
+                        <m:fPr>
+                          <m:ctrlPr>
+                            <a:rPr lang="sv-SE" sz="2400" b="0" i="1" dirty="0" smtClean="0">
+                              <a:latin typeface="Cambria Math" panose="02040503050406030204" pitchFamily="18" charset="0"/>
+                              <a:cs typeface="Times New Roman" panose="02020603050405020304" pitchFamily="18" charset="0"/>
+                            </a:rPr>
+                          </m:ctrlPr>
+                        </m:fPr>
+                        <m:num>
+                          <m:sSubSup>
+                            <m:sSubSupPr>
+                              <m:ctrlPr>
+                                <a:rPr lang="sv-SE" sz="2400" i="1" dirty="0">
+                                  <a:latin typeface="Cambria Math" panose="02040503050406030204" pitchFamily="18" charset="0"/>
+                                  <a:cs typeface="Times New Roman" panose="02020603050405020304" pitchFamily="18" charset="0"/>
+                                </a:rPr>
+                              </m:ctrlPr>
+                            </m:sSubSupPr>
+                            <m:e>
+                              <m:r>
+                                <a:rPr lang="sv-SE" sz="2400" i="1" dirty="0">
+                                  <a:latin typeface="Cambria Math" panose="02040503050406030204" pitchFamily="18" charset="0"/>
+                                  <a:cs typeface="Times New Roman" panose="02020603050405020304" pitchFamily="18" charset="0"/>
+                                </a:rPr>
+                                <m:t>𝑉</m:t>
+                              </m:r>
+                            </m:e>
+                            <m:sub>
+                              <m:r>
+                                <a:rPr lang="sv-SE" sz="2400" i="1" dirty="0">
+                                  <a:latin typeface="Cambria Math" panose="02040503050406030204" pitchFamily="18" charset="0"/>
+                                  <a:cs typeface="Times New Roman" panose="02020603050405020304" pitchFamily="18" charset="0"/>
+                                </a:rPr>
+                                <m:t>𝑛</m:t>
+                              </m:r>
+                            </m:sub>
+                            <m:sup>
+                              <m:r>
+                                <a:rPr lang="sv-SE" sz="2400" i="1" dirty="0">
+                                  <a:latin typeface="Cambria Math" panose="02040503050406030204" pitchFamily="18" charset="0"/>
+                                  <a:cs typeface="Times New Roman" panose="02020603050405020304" pitchFamily="18" charset="0"/>
+                                </a:rPr>
+                                <m:t>2</m:t>
+                              </m:r>
+                            </m:sup>
+                          </m:sSubSup>
+                        </m:num>
+                        <m:den>
+                          <m:sSub>
+                            <m:sSubPr>
+                              <m:ctrlPr>
+                                <a:rPr lang="sv-SE" sz="2400" b="0" i="1" dirty="0" smtClean="0">
+                                  <a:latin typeface="Cambria Math" panose="02040503050406030204" pitchFamily="18" charset="0"/>
+                                  <a:cs typeface="Times New Roman" panose="02020603050405020304" pitchFamily="18" charset="0"/>
+                                </a:rPr>
+                              </m:ctrlPr>
+                            </m:sSubPr>
+                            <m:e>
+                              <m:r>
+                                <a:rPr lang="sv-SE" sz="2400" b="0" i="1" dirty="0" smtClean="0">
+                                  <a:latin typeface="Cambria Math" panose="02040503050406030204" pitchFamily="18" charset="0"/>
+                                  <a:cs typeface="Times New Roman" panose="02020603050405020304" pitchFamily="18" charset="0"/>
+                                </a:rPr>
+                                <m:t>𝑍</m:t>
+                              </m:r>
+                            </m:e>
+                            <m:sub>
+                              <m:r>
+                                <a:rPr lang="sv-SE" sz="2400" b="0" i="1" dirty="0" smtClean="0">
+                                  <a:latin typeface="Cambria Math" panose="02040503050406030204" pitchFamily="18" charset="0"/>
+                                  <a:cs typeface="Times New Roman" panose="02020603050405020304" pitchFamily="18" charset="0"/>
+                                </a:rPr>
+                                <m:t>𝑛</m:t>
+                              </m:r>
+                            </m:sub>
+                          </m:sSub>
+                        </m:den>
+                      </m:f>
+                    </m:oMath>
+                  </m:oMathPara>
+                </a14:m>
+                <a:endParaRPr lang="en-US" sz="2400" dirty="0">
+                  <a:cs typeface="Times New Roman" panose="02020603050405020304" pitchFamily="18" charset="0"/>
+                </a:endParaRPr>
+              </a:p>
+            </p:txBody>
+          </p:sp>
+        </mc:Choice>
+        <mc:Fallback>
+          <p:sp>
+            <p:nvSpPr>
+              <p:cNvPr id="3" name="Rectangle 2"/>
+              <p:cNvSpPr>
+                <a:spLocks noRot="1" noChangeAspect="1" noMove="1" noResize="1" noEditPoints="1" noAdjustHandles="1" noChangeArrowheads="1" noChangeShapeType="1" noTextEdit="1"/>
+              </p:cNvSpPr>
+              <p:nvPr/>
+            </p:nvSpPr>
+            <p:spPr>
+              <a:xfrm>
+                <a:off x="-83801" y="4717881"/>
+                <a:ext cx="3350202" cy="895886"/>
+              </a:xfrm>
+              <a:prstGeom prst="rect">
+                <a:avLst/>
+              </a:prstGeom>
+              <a:blipFill>
+                <a:blip r:embed="rId5"/>
+                <a:stretch>
+                  <a:fillRect/>
+                </a:stretch>
+              </a:blipFill>
+            </p:spPr>
+            <p:txBody>
+              <a:bodyPr/>
+              <a:lstStyle/>
+              <a:p>
+                <a:r>
+                  <a:rPr lang="sv-SE">
+                    <a:noFill/>
+                  </a:rPr>
+                  <a:t> </a:t>
+                </a:r>
+              </a:p>
+            </p:txBody>
+          </p:sp>
+        </mc:Fallback>
+      </mc:AlternateContent>
+      <p:pic>
+        <p:nvPicPr>
+          <p:cNvPr id="18" name="Picture 17"/>
+          <p:cNvPicPr>
+            <a:picLocks noChangeAspect="1"/>
+          </p:cNvPicPr>
+          <p:nvPr/>
+        </p:nvPicPr>
+        <p:blipFill>
+          <a:blip r:embed="rId6"/>
+          <a:stretch>
+            <a:fillRect/>
+          </a:stretch>
+        </p:blipFill>
+        <p:spPr>
+          <a:xfrm>
+            <a:off x="3202184" y="4099649"/>
+            <a:ext cx="3476625" cy="1724025"/>
+          </a:xfrm>
+          <a:prstGeom prst="rect">
+            <a:avLst/>
+          </a:prstGeom>
+        </p:spPr>
+      </p:pic>
+      <p:pic>
+        <p:nvPicPr>
+          <p:cNvPr id="4" name="Picture 3"/>
+          <p:cNvPicPr>
+            <a:picLocks noChangeAspect="1"/>
+          </p:cNvPicPr>
+          <p:nvPr/>
+        </p:nvPicPr>
+        <p:blipFill>
+          <a:blip r:embed="rId7"/>
+          <a:stretch>
+            <a:fillRect/>
+          </a:stretch>
+        </p:blipFill>
+        <p:spPr>
+          <a:xfrm>
+            <a:off x="7476831" y="3520859"/>
+            <a:ext cx="3993298" cy="2994974"/>
+          </a:xfrm>
+          <a:prstGeom prst="rect">
+            <a:avLst/>
+          </a:prstGeom>
+        </p:spPr>
+      </p:pic>
+    </p:spTree>
+    <p:extLst>
+      <p:ext uri="{BB962C8B-B14F-4D97-AF65-F5344CB8AC3E}">
+        <p14:creationId xmlns:p14="http://schemas.microsoft.com/office/powerpoint/2010/main" val="1600365956"/>
+      </p:ext>
+    </p:extLst>
+  </p:cSld>
+  <p:clrMapOvr>
+    <a:masterClrMapping/>
+  </p:clrMapOvr>
+  <p:timing>
+    <p:tnLst>
+      <p:par>
+        <p:cTn id="1" dur="indefinite" restart="never" nodeType="tmRoot"/>
+      </p:par>
+    </p:tnLst>
+  </p:timing>
 </p:sld>
 </file>
 
